--- a/전공/운영체제.pptx
+++ b/전공/운영체제.pptx
@@ -271,7 +271,7 @@
           <a:p>
             <a:fld id="{3D3983BB-15A8-4157-9820-471D3BEE9ACB}" type="datetimeFigureOut">
               <a:rPr lang="ko-KR" altLang="en-US" smtClean="0"/>
-              <a:t>2017-09-16</a:t>
+              <a:t>2017-09-18</a:t>
             </a:fld>
             <a:endParaRPr lang="ko-KR" altLang="en-US"/>
           </a:p>
@@ -469,7 +469,7 @@
           <a:p>
             <a:fld id="{3D3983BB-15A8-4157-9820-471D3BEE9ACB}" type="datetimeFigureOut">
               <a:rPr lang="ko-KR" altLang="en-US" smtClean="0"/>
-              <a:t>2017-09-16</a:t>
+              <a:t>2017-09-18</a:t>
             </a:fld>
             <a:endParaRPr lang="ko-KR" altLang="en-US"/>
           </a:p>
@@ -677,7 +677,7 @@
           <a:p>
             <a:fld id="{3D3983BB-15A8-4157-9820-471D3BEE9ACB}" type="datetimeFigureOut">
               <a:rPr lang="ko-KR" altLang="en-US" smtClean="0"/>
-              <a:t>2017-09-16</a:t>
+              <a:t>2017-09-18</a:t>
             </a:fld>
             <a:endParaRPr lang="ko-KR" altLang="en-US"/>
           </a:p>
@@ -875,7 +875,7 @@
           <a:p>
             <a:fld id="{3D3983BB-15A8-4157-9820-471D3BEE9ACB}" type="datetimeFigureOut">
               <a:rPr lang="ko-KR" altLang="en-US" smtClean="0"/>
-              <a:t>2017-09-16</a:t>
+              <a:t>2017-09-18</a:t>
             </a:fld>
             <a:endParaRPr lang="ko-KR" altLang="en-US"/>
           </a:p>
@@ -1150,7 +1150,7 @@
           <a:p>
             <a:fld id="{3D3983BB-15A8-4157-9820-471D3BEE9ACB}" type="datetimeFigureOut">
               <a:rPr lang="ko-KR" altLang="en-US" smtClean="0"/>
-              <a:t>2017-09-16</a:t>
+              <a:t>2017-09-18</a:t>
             </a:fld>
             <a:endParaRPr lang="ko-KR" altLang="en-US"/>
           </a:p>
@@ -1415,7 +1415,7 @@
           <a:p>
             <a:fld id="{3D3983BB-15A8-4157-9820-471D3BEE9ACB}" type="datetimeFigureOut">
               <a:rPr lang="ko-KR" altLang="en-US" smtClean="0"/>
-              <a:t>2017-09-16</a:t>
+              <a:t>2017-09-18</a:t>
             </a:fld>
             <a:endParaRPr lang="ko-KR" altLang="en-US"/>
           </a:p>
@@ -1827,7 +1827,7 @@
           <a:p>
             <a:fld id="{3D3983BB-15A8-4157-9820-471D3BEE9ACB}" type="datetimeFigureOut">
               <a:rPr lang="ko-KR" altLang="en-US" smtClean="0"/>
-              <a:t>2017-09-16</a:t>
+              <a:t>2017-09-18</a:t>
             </a:fld>
             <a:endParaRPr lang="ko-KR" altLang="en-US"/>
           </a:p>
@@ -1968,7 +1968,7 @@
           <a:p>
             <a:fld id="{3D3983BB-15A8-4157-9820-471D3BEE9ACB}" type="datetimeFigureOut">
               <a:rPr lang="ko-KR" altLang="en-US" smtClean="0"/>
-              <a:t>2017-09-16</a:t>
+              <a:t>2017-09-18</a:t>
             </a:fld>
             <a:endParaRPr lang="ko-KR" altLang="en-US"/>
           </a:p>
@@ -2081,7 +2081,7 @@
           <a:p>
             <a:fld id="{3D3983BB-15A8-4157-9820-471D3BEE9ACB}" type="datetimeFigureOut">
               <a:rPr lang="ko-KR" altLang="en-US" smtClean="0"/>
-              <a:t>2017-09-16</a:t>
+              <a:t>2017-09-18</a:t>
             </a:fld>
             <a:endParaRPr lang="ko-KR" altLang="en-US"/>
           </a:p>
@@ -2392,7 +2392,7 @@
           <a:p>
             <a:fld id="{3D3983BB-15A8-4157-9820-471D3BEE9ACB}" type="datetimeFigureOut">
               <a:rPr lang="ko-KR" altLang="en-US" smtClean="0"/>
-              <a:t>2017-09-16</a:t>
+              <a:t>2017-09-18</a:t>
             </a:fld>
             <a:endParaRPr lang="ko-KR" altLang="en-US"/>
           </a:p>
@@ -2680,7 +2680,7 @@
           <a:p>
             <a:fld id="{3D3983BB-15A8-4157-9820-471D3BEE9ACB}" type="datetimeFigureOut">
               <a:rPr lang="ko-KR" altLang="en-US" smtClean="0"/>
-              <a:t>2017-09-16</a:t>
+              <a:t>2017-09-18</a:t>
             </a:fld>
             <a:endParaRPr lang="ko-KR" altLang="en-US"/>
           </a:p>
@@ -2921,7 +2921,7 @@
           <a:p>
             <a:fld id="{3D3983BB-15A8-4157-9820-471D3BEE9ACB}" type="datetimeFigureOut">
               <a:rPr lang="ko-KR" altLang="en-US" smtClean="0"/>
-              <a:t>2017-09-16</a:t>
+              <a:t>2017-09-18</a:t>
             </a:fld>
             <a:endParaRPr lang="ko-KR" altLang="en-US"/>
           </a:p>
@@ -5594,7 +5594,28 @@
                 <a:latin typeface="나눔바른펜" panose="020B0503000000000000" pitchFamily="50" charset="-127"/>
                 <a:ea typeface="나눔바른펜" panose="020B0503000000000000" pitchFamily="50" charset="-127"/>
               </a:rPr>
-              <a:t>, </a:t>
+              <a:t>(</a:t>
+            </a:r>
+            <a:r>
+              <a:rPr lang="ko-KR" altLang="en-US" sz="2800" dirty="0">
+                <a:latin typeface="나눔바른펜" panose="020B0503000000000000" pitchFamily="50" charset="-127"/>
+                <a:ea typeface="나눔바른펜" panose="020B0503000000000000" pitchFamily="50" charset="-127"/>
+              </a:rPr>
+              <a:t>정확히 따지면 주기억장치의 </a:t>
+            </a:r>
+            <a:r>
+              <a:rPr lang="ko-KR" altLang="en-US" sz="2800" dirty="0" err="1">
+                <a:latin typeface="나눔바른펜" panose="020B0503000000000000" pitchFamily="50" charset="-127"/>
+                <a:ea typeface="나눔바른펜" panose="020B0503000000000000" pitchFamily="50" charset="-127"/>
+              </a:rPr>
+              <a:t>일부를씀</a:t>
+            </a:r>
+            <a:r>
+              <a:rPr lang="en-US" altLang="ko-KR" sz="2800" dirty="0">
+                <a:latin typeface="나눔바른펜" panose="020B0503000000000000" pitchFamily="50" charset="-127"/>
+                <a:ea typeface="나눔바른펜" panose="020B0503000000000000" pitchFamily="50" charset="-127"/>
+              </a:rPr>
+              <a:t>)</a:t>
             </a:r>
           </a:p>
           <a:p>
